--- a/Phần 3-Kết Nối Cơ Sở Dữ Liệu Với Firebase.pptx
+++ b/Phần 3-Kết Nối Cơ Sở Dữ Liệu Với Firebase.pptx
@@ -7,7 +7,8 @@
   <p:sldIdLst>
     <p:sldId id="257" r:id="rId2"/>
     <p:sldId id="261" r:id="rId3"/>
-    <p:sldId id="260" r:id="rId4"/>
+    <p:sldId id="262" r:id="rId4"/>
+    <p:sldId id="260" r:id="rId5"/>
   </p:sldIdLst>
   <p:sldSz cx="12192000" cy="6858000"/>
   <p:notesSz cx="6858000" cy="9144000"/>
@@ -871,7 +872,7 @@
             <a:fld id="{B61BEF0D-F0BB-DE4B-95CE-6DB70DBA9567}" type="datetimeFigureOut">
               <a:rPr lang="en-US" dirty="0"/>
               <a:pPr/>
-              <a:t>3/13/19</a:t>
+              <a:t>3/14/19</a:t>
             </a:fld>
             <a:endParaRPr lang="en-US" dirty="0"/>
           </a:p>
@@ -1119,7 +1120,7 @@
             <a:fld id="{B61BEF0D-F0BB-DE4B-95CE-6DB70DBA9567}" type="datetimeFigureOut">
               <a:rPr lang="en-US" dirty="0"/>
               <a:pPr/>
-              <a:t>3/13/19</a:t>
+              <a:t>3/14/19</a:t>
             </a:fld>
             <a:endParaRPr lang="en-US" dirty="0"/>
           </a:p>
@@ -1430,7 +1431,7 @@
             <a:fld id="{B61BEF0D-F0BB-DE4B-95CE-6DB70DBA9567}" type="datetimeFigureOut">
               <a:rPr lang="en-US" dirty="0"/>
               <a:pPr/>
-              <a:t>3/13/19</a:t>
+              <a:t>3/14/19</a:t>
             </a:fld>
             <a:endParaRPr lang="en-US" dirty="0"/>
           </a:p>
@@ -1760,7 +1761,7 @@
             <a:fld id="{B61BEF0D-F0BB-DE4B-95CE-6DB70DBA9567}" type="datetimeFigureOut">
               <a:rPr lang="en-US" dirty="0"/>
               <a:pPr/>
-              <a:t>3/13/19</a:t>
+              <a:t>3/14/19</a:t>
             </a:fld>
             <a:endParaRPr lang="en-US" dirty="0"/>
           </a:p>
@@ -2071,7 +2072,7 @@
             <a:fld id="{B61BEF0D-F0BB-DE4B-95CE-6DB70DBA9567}" type="datetimeFigureOut">
               <a:rPr lang="en-US" dirty="0"/>
               <a:pPr/>
-              <a:t>3/13/19</a:t>
+              <a:t>3/14/19</a:t>
             </a:fld>
             <a:endParaRPr lang="en-US" dirty="0"/>
           </a:p>
@@ -2461,7 +2462,7 @@
             <a:fld id="{B61BEF0D-F0BB-DE4B-95CE-6DB70DBA9567}" type="datetimeFigureOut">
               <a:rPr lang="en-US" dirty="0"/>
               <a:pPr/>
-              <a:t>3/13/19</a:t>
+              <a:t>3/14/19</a:t>
             </a:fld>
             <a:endParaRPr lang="en-US" dirty="0"/>
           </a:p>
@@ -2628,7 +2629,7 @@
             <a:fld id="{55C6B4A9-1611-4792-9094-5F34BCA07E0B}" type="datetimeFigureOut">
               <a:rPr lang="en-US" dirty="0"/>
               <a:pPr/>
-              <a:t>3/13/19</a:t>
+              <a:t>3/14/19</a:t>
             </a:fld>
             <a:endParaRPr lang="en-US" dirty="0"/>
           </a:p>
@@ -2805,7 +2806,7 @@
             <a:fld id="{B61BEF0D-F0BB-DE4B-95CE-6DB70DBA9567}" type="datetimeFigureOut">
               <a:rPr lang="en-US" dirty="0"/>
               <a:pPr/>
-              <a:t>3/13/19</a:t>
+              <a:t>3/14/19</a:t>
             </a:fld>
             <a:endParaRPr lang="en-US" dirty="0"/>
           </a:p>
@@ -2972,7 +2973,7 @@
             <a:fld id="{42A54C80-263E-416B-A8E0-580EDEADCBDC}" type="datetimeFigureOut">
               <a:rPr lang="en-US" dirty="0"/>
               <a:pPr/>
-              <a:t>3/13/19</a:t>
+              <a:t>3/14/19</a:t>
             </a:fld>
             <a:endParaRPr lang="en-US" dirty="0"/>
           </a:p>
@@ -3216,7 +3217,7 @@
             <a:fld id="{B61BEF0D-F0BB-DE4B-95CE-6DB70DBA9567}" type="datetimeFigureOut">
               <a:rPr lang="en-US" dirty="0"/>
               <a:pPr/>
-              <a:t>3/13/19</a:t>
+              <a:t>3/14/19</a:t>
             </a:fld>
             <a:endParaRPr lang="en-US" dirty="0"/>
           </a:p>
@@ -3445,7 +3446,7 @@
             <a:fld id="{42A54C80-263E-416B-A8E0-580EDEADCBDC}" type="datetimeFigureOut">
               <a:rPr lang="en-US" dirty="0"/>
               <a:pPr/>
-              <a:t>3/13/19</a:t>
+              <a:t>3/14/19</a:t>
             </a:fld>
             <a:endParaRPr lang="en-US" dirty="0"/>
           </a:p>
@@ -3816,7 +3817,7 @@
             <a:fld id="{B61BEF0D-F0BB-DE4B-95CE-6DB70DBA9567}" type="datetimeFigureOut">
               <a:rPr lang="en-US" dirty="0"/>
               <a:pPr/>
-              <a:t>3/13/19</a:t>
+              <a:t>3/14/19</a:t>
             </a:fld>
             <a:endParaRPr lang="en-US" dirty="0"/>
           </a:p>
@@ -3936,7 +3937,7 @@
             <a:fld id="{B61BEF0D-F0BB-DE4B-95CE-6DB70DBA9567}" type="datetimeFigureOut">
               <a:rPr lang="en-US" dirty="0"/>
               <a:pPr/>
-              <a:t>3/13/19</a:t>
+              <a:t>3/14/19</a:t>
             </a:fld>
             <a:endParaRPr lang="en-US" dirty="0"/>
           </a:p>
@@ -4028,7 +4029,7 @@
             <a:fld id="{B61BEF0D-F0BB-DE4B-95CE-6DB70DBA9567}" type="datetimeFigureOut">
               <a:rPr lang="en-US" dirty="0"/>
               <a:pPr/>
-              <a:t>3/13/19</a:t>
+              <a:t>3/14/19</a:t>
             </a:fld>
             <a:endParaRPr lang="en-US" dirty="0"/>
           </a:p>
@@ -4280,7 +4281,7 @@
             <a:fld id="{42A54C80-263E-416B-A8E0-580EDEADCBDC}" type="datetimeFigureOut">
               <a:rPr lang="en-US" dirty="0"/>
               <a:pPr/>
-              <a:t>3/13/19</a:t>
+              <a:t>3/14/19</a:t>
             </a:fld>
             <a:endParaRPr lang="en-US" dirty="0"/>
           </a:p>
@@ -4583,7 +4584,7 @@
             <a:fld id="{B61BEF0D-F0BB-DE4B-95CE-6DB70DBA9567}" type="datetimeFigureOut">
               <a:rPr lang="en-US" dirty="0"/>
               <a:pPr/>
-              <a:t>3/13/19</a:t>
+              <a:t>3/14/19</a:t>
             </a:fld>
             <a:endParaRPr lang="en-US" dirty="0"/>
           </a:p>
@@ -5281,7 +5282,7 @@
             <a:fld id="{B61BEF0D-F0BB-DE4B-95CE-6DB70DBA9567}" type="datetimeFigureOut">
               <a:rPr lang="en-US" dirty="0"/>
               <a:pPr/>
-              <a:t>3/13/19</a:t>
+              <a:t>3/14/19</a:t>
             </a:fld>
             <a:endParaRPr lang="en-US" dirty="0"/>
           </a:p>
@@ -7090,7 +7091,7 @@
               <a:t>Mở</a:t>
             </a:r>
             <a:r>
-              <a:rPr lang="en-US" sz="2600">
+              <a:rPr lang="en-US" sz="2600" dirty="0">
                 <a:solidFill>
                   <a:schemeClr val="tx1"/>
                 </a:solidFill>
@@ -7098,6 +7099,153 @@
                 <a:cs typeface="Arial" panose="020B0604020202020204" pitchFamily="34" charset="0"/>
               </a:rPr>
               <a:t> tab Sign-in Method, </a:t>
+            </a:r>
+          </a:p>
+          <a:p>
+            <a:pPr algn="l">
+              <a:spcAft>
+                <a:spcPts val="1200"/>
+              </a:spcAft>
+            </a:pPr>
+            <a:r>
+              <a:rPr lang="en-US" sz="2600" dirty="0">
+                <a:solidFill>
+                  <a:schemeClr val="tx1"/>
+                </a:solidFill>
+                <a:latin typeface="Arial" panose="020B0604020202020204" pitchFamily="34" charset="0"/>
+                <a:cs typeface="Arial" panose="020B0604020202020204" pitchFamily="34" charset="0"/>
+              </a:rPr>
+              <a:t>- </a:t>
+            </a:r>
+            <a:r>
+              <a:rPr lang="en-US" sz="2600" dirty="0" err="1">
+                <a:solidFill>
+                  <a:schemeClr val="tx1"/>
+                </a:solidFill>
+                <a:latin typeface="Arial" panose="020B0604020202020204" pitchFamily="34" charset="0"/>
+                <a:cs typeface="Arial" panose="020B0604020202020204" pitchFamily="34" charset="0"/>
+              </a:rPr>
+              <a:t>Đưa</a:t>
+            </a:r>
+            <a:r>
+              <a:rPr lang="en-US" sz="2600" dirty="0">
+                <a:solidFill>
+                  <a:schemeClr val="tx1"/>
+                </a:solidFill>
+                <a:latin typeface="Arial" panose="020B0604020202020204" pitchFamily="34" charset="0"/>
+                <a:cs typeface="Arial" panose="020B0604020202020204" pitchFamily="34" charset="0"/>
+              </a:rPr>
+              <a:t> object config </a:t>
+            </a:r>
+            <a:r>
+              <a:rPr lang="en-US" sz="2600" dirty="0" err="1">
+                <a:solidFill>
+                  <a:schemeClr val="tx1"/>
+                </a:solidFill>
+                <a:latin typeface="Arial" panose="020B0604020202020204" pitchFamily="34" charset="0"/>
+                <a:cs typeface="Arial" panose="020B0604020202020204" pitchFamily="34" charset="0"/>
+              </a:rPr>
+              <a:t>trong</a:t>
+            </a:r>
+            <a:r>
+              <a:rPr lang="en-US" sz="2600" dirty="0">
+                <a:solidFill>
+                  <a:schemeClr val="tx1"/>
+                </a:solidFill>
+                <a:latin typeface="Arial" panose="020B0604020202020204" pitchFamily="34" charset="0"/>
+                <a:cs typeface="Arial" panose="020B0604020202020204" pitchFamily="34" charset="0"/>
+              </a:rPr>
+              <a:t> </a:t>
+            </a:r>
+            <a:r>
+              <a:rPr lang="en-US" sz="2600" dirty="0" err="1">
+                <a:solidFill>
+                  <a:schemeClr val="tx1"/>
+                </a:solidFill>
+                <a:latin typeface="Arial" panose="020B0604020202020204" pitchFamily="34" charset="0"/>
+                <a:cs typeface="Arial" panose="020B0604020202020204" pitchFamily="34" charset="0"/>
+              </a:rPr>
+              <a:t>hướng</a:t>
+            </a:r>
+            <a:r>
+              <a:rPr lang="en-US" sz="2600" dirty="0">
+                <a:solidFill>
+                  <a:schemeClr val="tx1"/>
+                </a:solidFill>
+                <a:latin typeface="Arial" panose="020B0604020202020204" pitchFamily="34" charset="0"/>
+                <a:cs typeface="Arial" panose="020B0604020202020204" pitchFamily="34" charset="0"/>
+              </a:rPr>
+              <a:t> </a:t>
+            </a:r>
+            <a:r>
+              <a:rPr lang="en-US" sz="2600" dirty="0" err="1">
+                <a:solidFill>
+                  <a:schemeClr val="tx1"/>
+                </a:solidFill>
+                <a:latin typeface="Arial" panose="020B0604020202020204" pitchFamily="34" charset="0"/>
+                <a:cs typeface="Arial" panose="020B0604020202020204" pitchFamily="34" charset="0"/>
+              </a:rPr>
+              <a:t>dẫn</a:t>
+            </a:r>
+            <a:r>
+              <a:rPr lang="en-US" sz="2600" dirty="0">
+                <a:solidFill>
+                  <a:schemeClr val="tx1"/>
+                </a:solidFill>
+                <a:latin typeface="Arial" panose="020B0604020202020204" pitchFamily="34" charset="0"/>
+                <a:cs typeface="Arial" panose="020B0604020202020204" pitchFamily="34" charset="0"/>
+              </a:rPr>
+              <a:t> </a:t>
+            </a:r>
+            <a:r>
+              <a:rPr lang="en-US" sz="2600" dirty="0" err="1">
+                <a:solidFill>
+                  <a:schemeClr val="tx1"/>
+                </a:solidFill>
+                <a:latin typeface="Arial" panose="020B0604020202020204" pitchFamily="34" charset="0"/>
+                <a:cs typeface="Arial" panose="020B0604020202020204" pitchFamily="34" charset="0"/>
+              </a:rPr>
+              <a:t>vào</a:t>
+            </a:r>
+            <a:r>
+              <a:rPr lang="en-US" sz="2600" dirty="0">
+                <a:solidFill>
+                  <a:schemeClr val="tx1"/>
+                </a:solidFill>
+                <a:latin typeface="Arial" panose="020B0604020202020204" pitchFamily="34" charset="0"/>
+                <a:cs typeface="Arial" panose="020B0604020202020204" pitchFamily="34" charset="0"/>
+              </a:rPr>
+              <a:t> 1 file .</a:t>
+            </a:r>
+            <a:r>
+              <a:rPr lang="en-US" sz="2600" dirty="0" err="1">
+                <a:solidFill>
+                  <a:schemeClr val="tx1"/>
+                </a:solidFill>
+                <a:latin typeface="Arial" panose="020B0604020202020204" pitchFamily="34" charset="0"/>
+                <a:cs typeface="Arial" panose="020B0604020202020204" pitchFamily="34" charset="0"/>
+              </a:rPr>
+              <a:t>js</a:t>
+            </a:r>
+            <a:r>
+              <a:rPr lang="en-US" sz="2600" dirty="0">
+                <a:solidFill>
+                  <a:schemeClr val="tx1"/>
+                </a:solidFill>
+                <a:latin typeface="Arial" panose="020B0604020202020204" pitchFamily="34" charset="0"/>
+                <a:cs typeface="Arial" panose="020B0604020202020204" pitchFamily="34" charset="0"/>
+              </a:rPr>
+              <a:t> </a:t>
+            </a:r>
+            <a:r>
+              <a:rPr lang="en-US" sz="2600" dirty="0" err="1">
+                <a:solidFill>
+                  <a:schemeClr val="tx1"/>
+                </a:solidFill>
+                <a:latin typeface="Arial" panose="020B0604020202020204" pitchFamily="34" charset="0"/>
+                <a:cs typeface="Arial" panose="020B0604020202020204" pitchFamily="34" charset="0"/>
+              </a:rPr>
+              <a:t>riêng</a:t>
             </a:r>
             <a:endParaRPr lang="en-US" sz="2600" dirty="0">
               <a:solidFill>
@@ -7121,7 +7269,7 @@
                 <a:latin typeface="Arial" panose="020B0604020202020204" pitchFamily="34" charset="0"/>
                 <a:cs typeface="Arial" panose="020B0604020202020204" pitchFamily="34" charset="0"/>
               </a:rPr>
-              <a:t>- </a:t>
+              <a:t>- Data </a:t>
             </a:r>
             <a:r>
               <a:rPr lang="en-US" sz="2600" dirty="0" err="1">
@@ -7131,17 +7279,17 @@
                 <a:latin typeface="Arial" panose="020B0604020202020204" pitchFamily="34" charset="0"/>
                 <a:cs typeface="Arial" panose="020B0604020202020204" pitchFamily="34" charset="0"/>
               </a:rPr>
-              <a:t>Đưa</a:t>
-            </a:r>
-            <a:r>
-              <a:rPr lang="en-US" sz="2600" dirty="0">
-                <a:solidFill>
-                  <a:schemeClr val="tx1"/>
-                </a:solidFill>
-                <a:latin typeface="Arial" panose="020B0604020202020204" pitchFamily="34" charset="0"/>
-                <a:cs typeface="Arial" panose="020B0604020202020204" pitchFamily="34" charset="0"/>
-              </a:rPr>
-              <a:t> object config </a:t>
+              <a:t>trong</a:t>
+            </a:r>
+            <a:r>
+              <a:rPr lang="en-US" sz="2600" dirty="0">
+                <a:solidFill>
+                  <a:schemeClr val="tx1"/>
+                </a:solidFill>
+                <a:latin typeface="Arial" panose="020B0604020202020204" pitchFamily="34" charset="0"/>
+                <a:cs typeface="Arial" panose="020B0604020202020204" pitchFamily="34" charset="0"/>
+              </a:rPr>
+              <a:t> Firebase </a:t>
             </a:r>
             <a:r>
               <a:rPr lang="en-US" sz="2600" dirty="0" err="1">
@@ -7151,6 +7299,66 @@
                 <a:latin typeface="Arial" panose="020B0604020202020204" pitchFamily="34" charset="0"/>
                 <a:cs typeface="Arial" panose="020B0604020202020204" pitchFamily="34" charset="0"/>
               </a:rPr>
+              <a:t>gồm</a:t>
+            </a:r>
+            <a:r>
+              <a:rPr lang="en-US" sz="2600" dirty="0">
+                <a:solidFill>
+                  <a:schemeClr val="tx1"/>
+                </a:solidFill>
+                <a:latin typeface="Arial" panose="020B0604020202020204" pitchFamily="34" charset="0"/>
+                <a:cs typeface="Arial" panose="020B0604020202020204" pitchFamily="34" charset="0"/>
+              </a:rPr>
+              <a:t> </a:t>
+            </a:r>
+            <a:r>
+              <a:rPr lang="en-US" sz="2600" dirty="0" err="1">
+                <a:solidFill>
+                  <a:schemeClr val="tx1"/>
+                </a:solidFill>
+                <a:latin typeface="Arial" panose="020B0604020202020204" pitchFamily="34" charset="0"/>
+                <a:cs typeface="Arial" panose="020B0604020202020204" pitchFamily="34" charset="0"/>
+              </a:rPr>
+              <a:t>các</a:t>
+            </a:r>
+            <a:r>
+              <a:rPr lang="en-US" sz="2600" dirty="0">
+                <a:solidFill>
+                  <a:schemeClr val="tx1"/>
+                </a:solidFill>
+                <a:latin typeface="Arial" panose="020B0604020202020204" pitchFamily="34" charset="0"/>
+                <a:cs typeface="Arial" panose="020B0604020202020204" pitchFamily="34" charset="0"/>
+              </a:rPr>
+              <a:t> collections(</a:t>
+            </a:r>
+            <a:r>
+              <a:rPr lang="en-US" sz="2600" dirty="0" err="1">
+                <a:solidFill>
+                  <a:schemeClr val="tx1"/>
+                </a:solidFill>
+                <a:latin typeface="Arial" panose="020B0604020202020204" pitchFamily="34" charset="0"/>
+                <a:cs typeface="Arial" panose="020B0604020202020204" pitchFamily="34" charset="0"/>
+              </a:rPr>
+              <a:t>dạng</a:t>
+            </a:r>
+            <a:r>
+              <a:rPr lang="en-US" sz="2600" dirty="0">
+                <a:solidFill>
+                  <a:schemeClr val="tx1"/>
+                </a:solidFill>
+                <a:latin typeface="Arial" panose="020B0604020202020204" pitchFamily="34" charset="0"/>
+                <a:cs typeface="Arial" panose="020B0604020202020204" pitchFamily="34" charset="0"/>
+              </a:rPr>
+              <a:t> table </a:t>
+            </a:r>
+            <a:r>
+              <a:rPr lang="en-US" sz="2600" dirty="0" err="1">
+                <a:solidFill>
+                  <a:schemeClr val="tx1"/>
+                </a:solidFill>
+                <a:latin typeface="Arial" panose="020B0604020202020204" pitchFamily="34" charset="0"/>
+                <a:cs typeface="Arial" panose="020B0604020202020204" pitchFamily="34" charset="0"/>
+              </a:rPr>
               <a:t>trong</a:t>
             </a:r>
             <a:r>
@@ -7161,7 +7369,7 @@
                 <a:latin typeface="Arial" panose="020B0604020202020204" pitchFamily="34" charset="0"/>
                 <a:cs typeface="Arial" panose="020B0604020202020204" pitchFamily="34" charset="0"/>
               </a:rPr>
-              <a:t> </a:t>
+              <a:t> SQL), document(record), fields(</a:t>
             </a:r>
             <a:r>
               <a:rPr lang="en-US" sz="2600" dirty="0" err="1">
@@ -7171,95 +7379,18 @@
                 <a:latin typeface="Arial" panose="020B0604020202020204" pitchFamily="34" charset="0"/>
                 <a:cs typeface="Arial" panose="020B0604020202020204" pitchFamily="34" charset="0"/>
               </a:rPr>
-              <a:t>hướng</a:t>
-            </a:r>
-            <a:r>
-              <a:rPr lang="en-US" sz="2600" dirty="0">
-                <a:solidFill>
-                  <a:schemeClr val="tx1"/>
-                </a:solidFill>
-                <a:latin typeface="Arial" panose="020B0604020202020204" pitchFamily="34" charset="0"/>
-                <a:cs typeface="Arial" panose="020B0604020202020204" pitchFamily="34" charset="0"/>
-              </a:rPr>
-              <a:t> </a:t>
-            </a:r>
-            <a:r>
-              <a:rPr lang="en-US" sz="2600" dirty="0" err="1">
-                <a:solidFill>
-                  <a:schemeClr val="tx1"/>
-                </a:solidFill>
-                <a:latin typeface="Arial" panose="020B0604020202020204" pitchFamily="34" charset="0"/>
-                <a:cs typeface="Arial" panose="020B0604020202020204" pitchFamily="34" charset="0"/>
-              </a:rPr>
-              <a:t>dẫn</a:t>
-            </a:r>
-            <a:r>
-              <a:rPr lang="en-US" sz="2600" dirty="0">
-                <a:solidFill>
-                  <a:schemeClr val="tx1"/>
-                </a:solidFill>
-                <a:latin typeface="Arial" panose="020B0604020202020204" pitchFamily="34" charset="0"/>
-                <a:cs typeface="Arial" panose="020B0604020202020204" pitchFamily="34" charset="0"/>
-              </a:rPr>
-              <a:t> </a:t>
-            </a:r>
-            <a:r>
-              <a:rPr lang="en-US" sz="2600" dirty="0" err="1">
-                <a:solidFill>
-                  <a:schemeClr val="tx1"/>
-                </a:solidFill>
-                <a:latin typeface="Arial" panose="020B0604020202020204" pitchFamily="34" charset="0"/>
-                <a:cs typeface="Arial" panose="020B0604020202020204" pitchFamily="34" charset="0"/>
-              </a:rPr>
-              <a:t>vào</a:t>
-            </a:r>
-            <a:r>
-              <a:rPr lang="en-US" sz="2600" dirty="0">
-                <a:solidFill>
-                  <a:schemeClr val="tx1"/>
-                </a:solidFill>
-                <a:latin typeface="Arial" panose="020B0604020202020204" pitchFamily="34" charset="0"/>
-                <a:cs typeface="Arial" panose="020B0604020202020204" pitchFamily="34" charset="0"/>
-              </a:rPr>
-              <a:t> 1 file .</a:t>
-            </a:r>
-            <a:r>
-              <a:rPr lang="en-US" sz="2600" dirty="0" err="1">
-                <a:solidFill>
-                  <a:schemeClr val="tx1"/>
-                </a:solidFill>
-                <a:latin typeface="Arial" panose="020B0604020202020204" pitchFamily="34" charset="0"/>
-                <a:cs typeface="Arial" panose="020B0604020202020204" pitchFamily="34" charset="0"/>
-              </a:rPr>
-              <a:t>js</a:t>
-            </a:r>
-            <a:r>
-              <a:rPr lang="en-US" sz="2600" dirty="0">
-                <a:solidFill>
-                  <a:schemeClr val="tx1"/>
-                </a:solidFill>
-                <a:latin typeface="Arial" panose="020B0604020202020204" pitchFamily="34" charset="0"/>
-                <a:cs typeface="Arial" panose="020B0604020202020204" pitchFamily="34" charset="0"/>
-              </a:rPr>
-              <a:t> </a:t>
-            </a:r>
-            <a:r>
-              <a:rPr lang="en-US" sz="2600" dirty="0" err="1">
-                <a:solidFill>
-                  <a:schemeClr val="tx1"/>
-                </a:solidFill>
-                <a:latin typeface="Arial" panose="020B0604020202020204" pitchFamily="34" charset="0"/>
-                <a:cs typeface="Arial" panose="020B0604020202020204" pitchFamily="34" charset="0"/>
-              </a:rPr>
-              <a:t>riêng</a:t>
-            </a:r>
-            <a:endParaRPr lang="en-US" sz="2600" dirty="0">
-              <a:solidFill>
-                <a:schemeClr val="tx1"/>
-              </a:solidFill>
-              <a:latin typeface="Arial" panose="020B0604020202020204" pitchFamily="34" charset="0"/>
-              <a:cs typeface="Arial" panose="020B0604020202020204" pitchFamily="34" charset="0"/>
-            </a:endParaRPr>
+              <a:t>trường</a:t>
+            </a:r>
+            <a:r>
+              <a:rPr lang="en-US" sz="2600" dirty="0">
+                <a:solidFill>
+                  <a:schemeClr val="tx1"/>
+                </a:solidFill>
+                <a:latin typeface="Arial" panose="020B0604020202020204" pitchFamily="34" charset="0"/>
+                <a:cs typeface="Arial" panose="020B0604020202020204" pitchFamily="34" charset="0"/>
+              </a:rPr>
+              <a:t>)</a:t>
+            </a:r>
           </a:p>
         </p:txBody>
       </p:sp>
@@ -7307,6 +7438,1306 @@
 </file>
 
 <file path=ppt/slides/slide3.xml><?xml version="1.0" encoding="utf-8"?>
+<p:sld xmlns:a="http://schemas.openxmlformats.org/drawingml/2006/main" xmlns:r="http://schemas.openxmlformats.org/officeDocument/2006/relationships" xmlns:p="http://schemas.openxmlformats.org/presentationml/2006/main">
+  <p:cSld>
+    <p:spTree>
+      <p:nvGrpSpPr>
+        <p:cNvPr id="1" name=""/>
+        <p:cNvGrpSpPr/>
+        <p:nvPr/>
+      </p:nvGrpSpPr>
+      <p:grpSpPr>
+        <a:xfrm>
+          <a:off x="0" y="0"/>
+          <a:ext cx="0" cy="0"/>
+          <a:chOff x="0" y="0"/>
+          <a:chExt cx="0" cy="0"/>
+        </a:xfrm>
+      </p:grpSpPr>
+      <p:sp>
+        <p:nvSpPr>
+          <p:cNvPr id="2" name="Title 1"/>
+          <p:cNvSpPr>
+            <a:spLocks noGrp="1"/>
+          </p:cNvSpPr>
+          <p:nvPr>
+            <p:ph type="ctrTitle"/>
+          </p:nvPr>
+        </p:nvSpPr>
+        <p:spPr>
+          <a:xfrm>
+            <a:off x="0" y="120978"/>
+            <a:ext cx="12192000" cy="847486"/>
+          </a:xfrm>
+        </p:spPr>
+        <p:txBody>
+          <a:bodyPr/>
+          <a:lstStyle/>
+          <a:p>
+            <a:pPr algn="ctr"/>
+            <a:r>
+              <a:rPr lang="en-US" sz="5000" b="1" dirty="0" err="1">
+                <a:solidFill>
+                  <a:schemeClr val="tx1"/>
+                </a:solidFill>
+                <a:latin typeface="Arial" panose="020B0604020202020204" pitchFamily="34" charset="0"/>
+                <a:cs typeface="Arial" panose="020B0604020202020204" pitchFamily="34" charset="0"/>
+              </a:rPr>
+              <a:t>Kết</a:t>
+            </a:r>
+            <a:r>
+              <a:rPr lang="en-US" sz="5000" b="1" dirty="0">
+                <a:solidFill>
+                  <a:schemeClr val="tx1"/>
+                </a:solidFill>
+                <a:latin typeface="Arial" panose="020B0604020202020204" pitchFamily="34" charset="0"/>
+                <a:cs typeface="Arial" panose="020B0604020202020204" pitchFamily="34" charset="0"/>
+              </a:rPr>
+              <a:t> </a:t>
+            </a:r>
+            <a:r>
+              <a:rPr lang="en-US" sz="5000" b="1" dirty="0" err="1">
+                <a:solidFill>
+                  <a:schemeClr val="tx1"/>
+                </a:solidFill>
+                <a:latin typeface="Arial" panose="020B0604020202020204" pitchFamily="34" charset="0"/>
+                <a:cs typeface="Arial" panose="020B0604020202020204" pitchFamily="34" charset="0"/>
+              </a:rPr>
+              <a:t>nối</a:t>
+            </a:r>
+            <a:r>
+              <a:rPr lang="en-US" sz="5000" b="1" dirty="0">
+                <a:solidFill>
+                  <a:schemeClr val="tx1"/>
+                </a:solidFill>
+                <a:latin typeface="Arial" panose="020B0604020202020204" pitchFamily="34" charset="0"/>
+                <a:cs typeface="Arial" panose="020B0604020202020204" pitchFamily="34" charset="0"/>
+              </a:rPr>
+              <a:t> React </a:t>
+            </a:r>
+            <a:r>
+              <a:rPr lang="en-US" sz="5000" b="1" dirty="0" err="1">
+                <a:solidFill>
+                  <a:schemeClr val="tx1"/>
+                </a:solidFill>
+                <a:latin typeface="Arial" panose="020B0604020202020204" pitchFamily="34" charset="0"/>
+                <a:cs typeface="Arial" panose="020B0604020202020204" pitchFamily="34" charset="0"/>
+              </a:rPr>
+              <a:t>với</a:t>
+            </a:r>
+            <a:r>
+              <a:rPr lang="en-US" sz="5000" b="1" dirty="0">
+                <a:solidFill>
+                  <a:schemeClr val="tx1"/>
+                </a:solidFill>
+                <a:latin typeface="Arial" panose="020B0604020202020204" pitchFamily="34" charset="0"/>
+                <a:cs typeface="Arial" panose="020B0604020202020204" pitchFamily="34" charset="0"/>
+              </a:rPr>
+              <a:t> Firebase</a:t>
+            </a:r>
+            <a:endParaRPr lang="en-US" sz="5000" dirty="0">
+              <a:solidFill>
+                <a:schemeClr val="tx1"/>
+              </a:solidFill>
+              <a:latin typeface="Arial" panose="020B0604020202020204" pitchFamily="34" charset="0"/>
+              <a:cs typeface="Arial" panose="020B0604020202020204" pitchFamily="34" charset="0"/>
+            </a:endParaRPr>
+          </a:p>
+        </p:txBody>
+      </p:sp>
+      <p:pic>
+        <p:nvPicPr>
+          <p:cNvPr id="4" name="Picture 3"/>
+          <p:cNvPicPr>
+            <a:picLocks noChangeAspect="1"/>
+          </p:cNvPicPr>
+          <p:nvPr/>
+        </p:nvPicPr>
+        <p:blipFill>
+          <a:blip r:embed="rId2"/>
+          <a:stretch>
+            <a:fillRect/>
+          </a:stretch>
+        </p:blipFill>
+        <p:spPr>
+          <a:xfrm>
+            <a:off x="0" y="5977096"/>
+            <a:ext cx="3517697" cy="816935"/>
+          </a:xfrm>
+          <a:prstGeom prst="rect">
+            <a:avLst/>
+          </a:prstGeom>
+        </p:spPr>
+      </p:pic>
+      <p:sp>
+        <p:nvSpPr>
+          <p:cNvPr id="6" name="Subtitle 2">
+            <a:extLst>
+              <a:ext uri="{FF2B5EF4-FFF2-40B4-BE49-F238E27FC236}">
+                <a16:creationId xmlns:a16="http://schemas.microsoft.com/office/drawing/2014/main" id="{2C0EC2AE-7AB0-BE4A-BEEF-BB88F0CB5C7E}"/>
+              </a:ext>
+            </a:extLst>
+          </p:cNvPr>
+          <p:cNvSpPr>
+            <a:spLocks noGrp="1"/>
+          </p:cNvSpPr>
+          <p:nvPr>
+            <p:ph type="subTitle" idx="1"/>
+          </p:nvPr>
+        </p:nvSpPr>
+        <p:spPr>
+          <a:xfrm>
+            <a:off x="497439" y="1865828"/>
+            <a:ext cx="3810018" cy="1335708"/>
+          </a:xfrm>
+        </p:spPr>
+        <p:txBody>
+          <a:bodyPr>
+            <a:noAutofit/>
+          </a:bodyPr>
+          <a:lstStyle/>
+          <a:p>
+            <a:pPr algn="l">
+              <a:spcBef>
+                <a:spcPts val="0"/>
+              </a:spcBef>
+            </a:pPr>
+            <a:r>
+              <a:rPr lang="en-US" sz="1500" dirty="0">
+                <a:solidFill>
+                  <a:schemeClr val="tx1"/>
+                </a:solidFill>
+                <a:latin typeface="Arial" panose="020B0604020202020204" pitchFamily="34" charset="0"/>
+                <a:cs typeface="Arial" panose="020B0604020202020204" pitchFamily="34" charset="0"/>
+              </a:rPr>
+              <a:t>- </a:t>
+            </a:r>
+            <a:r>
+              <a:rPr lang="en-US" sz="1500" dirty="0" err="1">
+                <a:solidFill>
+                  <a:schemeClr val="tx1"/>
+                </a:solidFill>
+                <a:latin typeface="Arial" panose="020B0604020202020204" pitchFamily="34" charset="0"/>
+                <a:cs typeface="Arial" panose="020B0604020202020204" pitchFamily="34" charset="0"/>
+              </a:rPr>
+              <a:t>Cài</a:t>
+            </a:r>
+            <a:r>
+              <a:rPr lang="en-US" sz="1500" dirty="0">
+                <a:solidFill>
+                  <a:schemeClr val="tx1"/>
+                </a:solidFill>
+                <a:latin typeface="Arial" panose="020B0604020202020204" pitchFamily="34" charset="0"/>
+                <a:cs typeface="Arial" panose="020B0604020202020204" pitchFamily="34" charset="0"/>
+              </a:rPr>
+              <a:t> </a:t>
+            </a:r>
+            <a:r>
+              <a:rPr lang="en-US" sz="1500" dirty="0" err="1">
+                <a:solidFill>
+                  <a:schemeClr val="tx1"/>
+                </a:solidFill>
+                <a:latin typeface="Arial" panose="020B0604020202020204" pitchFamily="34" charset="0"/>
+                <a:cs typeface="Arial" panose="020B0604020202020204" pitchFamily="34" charset="0"/>
+              </a:rPr>
+              <a:t>đặt</a:t>
+            </a:r>
+            <a:r>
+              <a:rPr lang="en-US" sz="1500" dirty="0">
+                <a:solidFill>
+                  <a:schemeClr val="tx1"/>
+                </a:solidFill>
+                <a:latin typeface="Arial" panose="020B0604020202020204" pitchFamily="34" charset="0"/>
+                <a:cs typeface="Arial" panose="020B0604020202020204" pitchFamily="34" charset="0"/>
+              </a:rPr>
+              <a:t> </a:t>
+            </a:r>
+            <a:r>
+              <a:rPr lang="en-US" sz="1500" dirty="0" err="1">
+                <a:solidFill>
+                  <a:schemeClr val="tx1"/>
+                </a:solidFill>
+                <a:latin typeface="Arial" panose="020B0604020202020204" pitchFamily="34" charset="0"/>
+                <a:cs typeface="Arial" panose="020B0604020202020204" pitchFamily="34" charset="0"/>
+              </a:rPr>
+              <a:t>thư</a:t>
+            </a:r>
+            <a:r>
+              <a:rPr lang="en-US" sz="1500" dirty="0">
+                <a:solidFill>
+                  <a:schemeClr val="tx1"/>
+                </a:solidFill>
+                <a:latin typeface="Arial" panose="020B0604020202020204" pitchFamily="34" charset="0"/>
+                <a:cs typeface="Arial" panose="020B0604020202020204" pitchFamily="34" charset="0"/>
+              </a:rPr>
+              <a:t> </a:t>
+            </a:r>
+            <a:r>
+              <a:rPr lang="en-US" sz="1500" dirty="0" err="1">
+                <a:solidFill>
+                  <a:schemeClr val="tx1"/>
+                </a:solidFill>
+                <a:latin typeface="Arial" panose="020B0604020202020204" pitchFamily="34" charset="0"/>
+                <a:cs typeface="Arial" panose="020B0604020202020204" pitchFamily="34" charset="0"/>
+              </a:rPr>
+              <a:t>viện</a:t>
+            </a:r>
+            <a:r>
+              <a:rPr lang="en-US" sz="1500" dirty="0">
+                <a:solidFill>
+                  <a:schemeClr val="tx1"/>
+                </a:solidFill>
+                <a:latin typeface="Arial" panose="020B0604020202020204" pitchFamily="34" charset="0"/>
+                <a:cs typeface="Arial" panose="020B0604020202020204" pitchFamily="34" charset="0"/>
+              </a:rPr>
+              <a:t>: </a:t>
+            </a:r>
+            <a:r>
+              <a:rPr lang="en-US" sz="1500" dirty="0" err="1">
+                <a:solidFill>
+                  <a:schemeClr val="tx1"/>
+                </a:solidFill>
+                <a:latin typeface="Arial" panose="020B0604020202020204" pitchFamily="34" charset="0"/>
+                <a:cs typeface="Arial" panose="020B0604020202020204" pitchFamily="34" charset="0"/>
+              </a:rPr>
+              <a:t>npm</a:t>
+            </a:r>
+            <a:r>
+              <a:rPr lang="en-US" sz="1500" dirty="0">
+                <a:solidFill>
+                  <a:schemeClr val="tx1"/>
+                </a:solidFill>
+                <a:latin typeface="Arial" panose="020B0604020202020204" pitchFamily="34" charset="0"/>
+                <a:cs typeface="Arial" panose="020B0604020202020204" pitchFamily="34" charset="0"/>
+              </a:rPr>
+              <a:t> install firebase</a:t>
+            </a:r>
+          </a:p>
+          <a:p>
+            <a:pPr algn="l">
+              <a:spcBef>
+                <a:spcPts val="0"/>
+              </a:spcBef>
+            </a:pPr>
+            <a:r>
+              <a:rPr lang="en-US" sz="1500" dirty="0">
+                <a:solidFill>
+                  <a:schemeClr val="tx1"/>
+                </a:solidFill>
+                <a:latin typeface="Arial" panose="020B0604020202020204" pitchFamily="34" charset="0"/>
+                <a:cs typeface="Arial" panose="020B0604020202020204" pitchFamily="34" charset="0"/>
+              </a:rPr>
+              <a:t>- Import :  import app from 'firebase/app'; import 'firebase/</a:t>
+            </a:r>
+            <a:r>
+              <a:rPr lang="en-US" sz="1500" dirty="0" err="1">
+                <a:solidFill>
+                  <a:schemeClr val="tx1"/>
+                </a:solidFill>
+                <a:latin typeface="Arial" panose="020B0604020202020204" pitchFamily="34" charset="0"/>
+                <a:cs typeface="Arial" panose="020B0604020202020204" pitchFamily="34" charset="0"/>
+              </a:rPr>
+              <a:t>auth</a:t>
+            </a:r>
+            <a:r>
+              <a:rPr lang="en-US" sz="1500" dirty="0">
+                <a:solidFill>
+                  <a:schemeClr val="tx1"/>
+                </a:solidFill>
+                <a:latin typeface="Arial" panose="020B0604020202020204" pitchFamily="34" charset="0"/>
+                <a:cs typeface="Arial" panose="020B0604020202020204" pitchFamily="34" charset="0"/>
+              </a:rPr>
+              <a:t>’; </a:t>
+            </a:r>
+          </a:p>
+          <a:p>
+            <a:pPr algn="l">
+              <a:spcBef>
+                <a:spcPts val="0"/>
+              </a:spcBef>
+            </a:pPr>
+            <a:r>
+              <a:rPr lang="en-US" sz="1500" dirty="0">
+                <a:solidFill>
+                  <a:schemeClr val="tx1"/>
+                </a:solidFill>
+                <a:latin typeface="Arial" panose="020B0604020202020204" pitchFamily="34" charset="0"/>
+                <a:cs typeface="Arial" panose="020B0604020202020204" pitchFamily="34" charset="0"/>
+              </a:rPr>
+              <a:t>import 'firebase/database’;</a:t>
+            </a:r>
+          </a:p>
+        </p:txBody>
+      </p:sp>
+      <p:pic>
+        <p:nvPicPr>
+          <p:cNvPr id="7" name="Picture 6" descr="A close up of a logo&#10;&#10;Description automatically generated">
+            <a:extLst>
+              <a:ext uri="{FF2B5EF4-FFF2-40B4-BE49-F238E27FC236}">
+                <a16:creationId xmlns:a16="http://schemas.microsoft.com/office/drawing/2014/main" id="{7463B02D-301D-2244-B8E8-BDEB15E486B1}"/>
+              </a:ext>
+            </a:extLst>
+          </p:cNvPr>
+          <p:cNvPicPr>
+            <a:picLocks noChangeAspect="1"/>
+          </p:cNvPicPr>
+          <p:nvPr/>
+        </p:nvPicPr>
+        <p:blipFill>
+          <a:blip r:embed="rId3"/>
+          <a:stretch>
+            <a:fillRect/>
+          </a:stretch>
+        </p:blipFill>
+        <p:spPr>
+          <a:xfrm>
+            <a:off x="7715842" y="2517074"/>
+            <a:ext cx="4084105" cy="2093104"/>
+          </a:xfrm>
+          <a:prstGeom prst="rect">
+            <a:avLst/>
+          </a:prstGeom>
+        </p:spPr>
+      </p:pic>
+      <p:grpSp>
+        <p:nvGrpSpPr>
+          <p:cNvPr id="10" name="Group 9">
+            <a:extLst>
+              <a:ext uri="{FF2B5EF4-FFF2-40B4-BE49-F238E27FC236}">
+                <a16:creationId xmlns:a16="http://schemas.microsoft.com/office/drawing/2014/main" id="{280713DE-7B10-6E47-81E8-A779B9FD8D0C}"/>
+              </a:ext>
+            </a:extLst>
+          </p:cNvPr>
+          <p:cNvGrpSpPr/>
+          <p:nvPr/>
+        </p:nvGrpSpPr>
+        <p:grpSpPr>
+          <a:xfrm>
+            <a:off x="1470362" y="2936415"/>
+            <a:ext cx="2047335" cy="1335708"/>
+            <a:chOff x="3634597" y="3855920"/>
+            <a:chExt cx="2047335" cy="1335708"/>
+          </a:xfrm>
+        </p:grpSpPr>
+        <p:pic>
+          <p:nvPicPr>
+            <p:cNvPr id="5" name="Picture 4" descr="A close up of a logo&#10;&#10;Description automatically generated">
+              <a:extLst>
+                <a:ext uri="{FF2B5EF4-FFF2-40B4-BE49-F238E27FC236}">
+                  <a16:creationId xmlns:a16="http://schemas.microsoft.com/office/drawing/2014/main" id="{397414C0-94A2-074F-BB52-CC51CE76747F}"/>
+                </a:ext>
+              </a:extLst>
+            </p:cNvPr>
+            <p:cNvPicPr>
+              <a:picLocks noChangeAspect="1"/>
+            </p:cNvPicPr>
+            <p:nvPr/>
+          </p:nvPicPr>
+          <p:blipFill rotWithShape="1">
+            <a:blip r:embed="rId4"/>
+            <a:srcRect l="31844" t="62704" r="29683"/>
+            <a:stretch/>
+          </p:blipFill>
+          <p:spPr>
+            <a:xfrm>
+              <a:off x="3634597" y="3855920"/>
+              <a:ext cx="2047335" cy="1335708"/>
+            </a:xfrm>
+            <a:prstGeom prst="rect">
+              <a:avLst/>
+            </a:prstGeom>
+          </p:spPr>
+        </p:pic>
+        <p:pic>
+          <p:nvPicPr>
+            <p:cNvPr id="9" name="Picture 8">
+              <a:extLst>
+                <a:ext uri="{FF2B5EF4-FFF2-40B4-BE49-F238E27FC236}">
+                  <a16:creationId xmlns:a16="http://schemas.microsoft.com/office/drawing/2014/main" id="{AE0FE448-F97F-3C4C-A85C-66B46470D7CA}"/>
+                </a:ext>
+              </a:extLst>
+            </p:cNvPr>
+            <p:cNvPicPr>
+              <a:picLocks noChangeAspect="1"/>
+            </p:cNvPicPr>
+            <p:nvPr/>
+          </p:nvPicPr>
+          <p:blipFill rotWithShape="1">
+            <a:blip r:embed="rId5"/>
+            <a:srcRect l="13572" t="24942" r="12416" b="23975"/>
+            <a:stretch/>
+          </p:blipFill>
+          <p:spPr>
+            <a:xfrm>
+              <a:off x="3953772" y="4333482"/>
+              <a:ext cx="1408983" cy="480836"/>
+            </a:xfrm>
+            <a:prstGeom prst="rect">
+              <a:avLst/>
+            </a:prstGeom>
+          </p:spPr>
+        </p:pic>
+      </p:grpSp>
+      <p:cxnSp>
+        <p:nvCxnSpPr>
+          <p:cNvPr id="12" name="Straight Arrow Connector 11">
+            <a:extLst>
+              <a:ext uri="{FF2B5EF4-FFF2-40B4-BE49-F238E27FC236}">
+                <a16:creationId xmlns:a16="http://schemas.microsoft.com/office/drawing/2014/main" id="{92FCEA50-8FF7-F347-94B6-EAEBA4E037F4}"/>
+              </a:ext>
+            </a:extLst>
+          </p:cNvPr>
+          <p:cNvCxnSpPr>
+            <a:cxnSpLocks/>
+          </p:cNvCxnSpPr>
+          <p:nvPr/>
+        </p:nvCxnSpPr>
+        <p:spPr>
+          <a:xfrm>
+            <a:off x="4353464" y="3287581"/>
+            <a:ext cx="3486737" cy="0"/>
+          </a:xfrm>
+          <a:prstGeom prst="straightConnector1">
+            <a:avLst/>
+          </a:prstGeom>
+          <a:ln w="50800">
+            <a:solidFill>
+              <a:schemeClr val="tx1"/>
+            </a:solidFill>
+            <a:tailEnd type="triangle"/>
+          </a:ln>
+        </p:spPr>
+        <p:style>
+          <a:lnRef idx="1">
+            <a:schemeClr val="accent1"/>
+          </a:lnRef>
+          <a:fillRef idx="0">
+            <a:schemeClr val="accent1"/>
+          </a:fillRef>
+          <a:effectRef idx="0">
+            <a:schemeClr val="accent1"/>
+          </a:effectRef>
+          <a:fontRef idx="minor">
+            <a:schemeClr val="tx1"/>
+          </a:fontRef>
+        </p:style>
+      </p:cxnSp>
+      <p:cxnSp>
+        <p:nvCxnSpPr>
+          <p:cNvPr id="13" name="Straight Arrow Connector 12">
+            <a:extLst>
+              <a:ext uri="{FF2B5EF4-FFF2-40B4-BE49-F238E27FC236}">
+                <a16:creationId xmlns:a16="http://schemas.microsoft.com/office/drawing/2014/main" id="{8093EFF9-C531-834A-A418-9051FE9A2F7E}"/>
+              </a:ext>
+            </a:extLst>
+          </p:cNvPr>
+          <p:cNvCxnSpPr>
+            <a:cxnSpLocks/>
+          </p:cNvCxnSpPr>
+          <p:nvPr/>
+        </p:nvCxnSpPr>
+        <p:spPr>
+          <a:xfrm flipH="1">
+            <a:off x="4307457" y="3851053"/>
+            <a:ext cx="3532744" cy="0"/>
+          </a:xfrm>
+          <a:prstGeom prst="straightConnector1">
+            <a:avLst/>
+          </a:prstGeom>
+          <a:ln w="50800">
+            <a:solidFill>
+              <a:schemeClr val="tx1"/>
+            </a:solidFill>
+            <a:tailEnd type="triangle"/>
+          </a:ln>
+        </p:spPr>
+        <p:style>
+          <a:lnRef idx="1">
+            <a:schemeClr val="accent1"/>
+          </a:lnRef>
+          <a:fillRef idx="0">
+            <a:schemeClr val="accent1"/>
+          </a:fillRef>
+          <a:effectRef idx="0">
+            <a:schemeClr val="accent1"/>
+          </a:effectRef>
+          <a:fontRef idx="minor">
+            <a:schemeClr val="tx1"/>
+          </a:fontRef>
+        </p:style>
+      </p:cxnSp>
+      <p:sp>
+        <p:nvSpPr>
+          <p:cNvPr id="18" name="Subtitle 2">
+            <a:extLst>
+              <a:ext uri="{FF2B5EF4-FFF2-40B4-BE49-F238E27FC236}">
+                <a16:creationId xmlns:a16="http://schemas.microsoft.com/office/drawing/2014/main" id="{9C97F662-75BE-C84C-98F6-07C2BD93FF68}"/>
+              </a:ext>
+            </a:extLst>
+          </p:cNvPr>
+          <p:cNvSpPr txBox="1">
+            <a:spLocks/>
+          </p:cNvSpPr>
+          <p:nvPr/>
+        </p:nvSpPr>
+        <p:spPr>
+          <a:xfrm>
+            <a:off x="4450040" y="5071512"/>
+            <a:ext cx="3247578" cy="882092"/>
+          </a:xfrm>
+          <a:prstGeom prst="rect">
+            <a:avLst/>
+          </a:prstGeom>
+        </p:spPr>
+        <p:txBody>
+          <a:bodyPr vert="horz" lIns="91440" tIns="45720" rIns="91440" bIns="45720" rtlCol="0" anchor="t">
+            <a:noAutofit/>
+          </a:bodyPr>
+          <a:lstStyle>
+            <a:lvl1pPr marL="0" indent="0" algn="r" defTabSz="457200" rtl="0" eaLnBrk="1" latinLnBrk="0" hangingPunct="1">
+              <a:spcBef>
+                <a:spcPts val="1000"/>
+              </a:spcBef>
+              <a:spcAft>
+                <a:spcPts val="0"/>
+              </a:spcAft>
+              <a:buClr>
+                <a:schemeClr val="accent1"/>
+              </a:buClr>
+              <a:buSzPct val="80000"/>
+              <a:buFont typeface="Wingdings 3" charset="2"/>
+              <a:buNone/>
+              <a:defRPr sz="1800" kern="1200">
+                <a:solidFill>
+                  <a:schemeClr val="tx1">
+                    <a:lumMod val="50000"/>
+                    <a:lumOff val="50000"/>
+                  </a:schemeClr>
+                </a:solidFill>
+                <a:latin typeface="+mn-lt"/>
+                <a:ea typeface="+mn-ea"/>
+                <a:cs typeface="+mn-cs"/>
+              </a:defRPr>
+            </a:lvl1pPr>
+            <a:lvl2pPr marL="457200" indent="0" algn="ctr" defTabSz="457200" rtl="0" eaLnBrk="1" latinLnBrk="0" hangingPunct="1">
+              <a:spcBef>
+                <a:spcPts val="1000"/>
+              </a:spcBef>
+              <a:spcAft>
+                <a:spcPts val="0"/>
+              </a:spcAft>
+              <a:buClr>
+                <a:schemeClr val="accent1"/>
+              </a:buClr>
+              <a:buSzPct val="80000"/>
+              <a:buFont typeface="Wingdings 3" charset="2"/>
+              <a:buNone/>
+              <a:defRPr sz="1600" kern="1200">
+                <a:solidFill>
+                  <a:schemeClr val="tx1">
+                    <a:tint val="75000"/>
+                  </a:schemeClr>
+                </a:solidFill>
+                <a:latin typeface="+mn-lt"/>
+                <a:ea typeface="+mn-ea"/>
+                <a:cs typeface="+mn-cs"/>
+              </a:defRPr>
+            </a:lvl2pPr>
+            <a:lvl3pPr marL="914400" indent="0" algn="ctr" defTabSz="457200" rtl="0" eaLnBrk="1" latinLnBrk="0" hangingPunct="1">
+              <a:spcBef>
+                <a:spcPts val="1000"/>
+              </a:spcBef>
+              <a:spcAft>
+                <a:spcPts val="0"/>
+              </a:spcAft>
+              <a:buClr>
+                <a:schemeClr val="accent1"/>
+              </a:buClr>
+              <a:buSzPct val="80000"/>
+              <a:buFont typeface="Wingdings 3" charset="2"/>
+              <a:buNone/>
+              <a:defRPr sz="1400" kern="1200">
+                <a:solidFill>
+                  <a:schemeClr val="tx1">
+                    <a:tint val="75000"/>
+                  </a:schemeClr>
+                </a:solidFill>
+                <a:latin typeface="+mn-lt"/>
+                <a:ea typeface="+mn-ea"/>
+                <a:cs typeface="+mn-cs"/>
+              </a:defRPr>
+            </a:lvl3pPr>
+            <a:lvl4pPr marL="1371600" indent="0" algn="ctr" defTabSz="457200" rtl="0" eaLnBrk="1" latinLnBrk="0" hangingPunct="1">
+              <a:spcBef>
+                <a:spcPts val="1000"/>
+              </a:spcBef>
+              <a:spcAft>
+                <a:spcPts val="0"/>
+              </a:spcAft>
+              <a:buClr>
+                <a:schemeClr val="accent1"/>
+              </a:buClr>
+              <a:buSzPct val="80000"/>
+              <a:buFont typeface="Wingdings 3" charset="2"/>
+              <a:buNone/>
+              <a:defRPr sz="1200" kern="1200">
+                <a:solidFill>
+                  <a:schemeClr val="tx1">
+                    <a:tint val="75000"/>
+                  </a:schemeClr>
+                </a:solidFill>
+                <a:latin typeface="+mn-lt"/>
+                <a:ea typeface="+mn-ea"/>
+                <a:cs typeface="+mn-cs"/>
+              </a:defRPr>
+            </a:lvl4pPr>
+            <a:lvl5pPr marL="1828800" indent="0" algn="ctr" defTabSz="457200" rtl="0" eaLnBrk="1" latinLnBrk="0" hangingPunct="1">
+              <a:spcBef>
+                <a:spcPts val="1000"/>
+              </a:spcBef>
+              <a:spcAft>
+                <a:spcPts val="0"/>
+              </a:spcAft>
+              <a:buClr>
+                <a:schemeClr val="accent1"/>
+              </a:buClr>
+              <a:buSzPct val="80000"/>
+              <a:buFont typeface="Wingdings 3" charset="2"/>
+              <a:buNone/>
+              <a:defRPr sz="1200" kern="1200">
+                <a:solidFill>
+                  <a:schemeClr val="tx1">
+                    <a:tint val="75000"/>
+                  </a:schemeClr>
+                </a:solidFill>
+                <a:latin typeface="+mn-lt"/>
+                <a:ea typeface="+mn-ea"/>
+                <a:cs typeface="+mn-cs"/>
+              </a:defRPr>
+            </a:lvl5pPr>
+            <a:lvl6pPr marL="2286000" indent="0" algn="ctr" defTabSz="457200" rtl="0" eaLnBrk="1" latinLnBrk="0" hangingPunct="1">
+              <a:spcBef>
+                <a:spcPts val="1000"/>
+              </a:spcBef>
+              <a:spcAft>
+                <a:spcPts val="0"/>
+              </a:spcAft>
+              <a:buClr>
+                <a:schemeClr val="accent1"/>
+              </a:buClr>
+              <a:buSzPct val="80000"/>
+              <a:buFont typeface="Wingdings 3" charset="2"/>
+              <a:buNone/>
+              <a:defRPr sz="1200" kern="1200">
+                <a:solidFill>
+                  <a:schemeClr val="tx1">
+                    <a:tint val="75000"/>
+                  </a:schemeClr>
+                </a:solidFill>
+                <a:latin typeface="+mn-lt"/>
+                <a:ea typeface="+mn-ea"/>
+                <a:cs typeface="+mn-cs"/>
+              </a:defRPr>
+            </a:lvl6pPr>
+            <a:lvl7pPr marL="2743200" indent="0" algn="ctr" defTabSz="457200" rtl="0" eaLnBrk="1" latinLnBrk="0" hangingPunct="1">
+              <a:spcBef>
+                <a:spcPts val="1000"/>
+              </a:spcBef>
+              <a:spcAft>
+                <a:spcPts val="0"/>
+              </a:spcAft>
+              <a:buClr>
+                <a:schemeClr val="accent1"/>
+              </a:buClr>
+              <a:buSzPct val="80000"/>
+              <a:buFont typeface="Wingdings 3" charset="2"/>
+              <a:buNone/>
+              <a:defRPr sz="1200" kern="1200">
+                <a:solidFill>
+                  <a:schemeClr val="tx1">
+                    <a:tint val="75000"/>
+                  </a:schemeClr>
+                </a:solidFill>
+                <a:latin typeface="+mn-lt"/>
+                <a:ea typeface="+mn-ea"/>
+                <a:cs typeface="+mn-cs"/>
+              </a:defRPr>
+            </a:lvl7pPr>
+            <a:lvl8pPr marL="3200400" indent="0" algn="ctr" defTabSz="457200" rtl="0" eaLnBrk="1" latinLnBrk="0" hangingPunct="1">
+              <a:spcBef>
+                <a:spcPts val="1000"/>
+              </a:spcBef>
+              <a:spcAft>
+                <a:spcPts val="0"/>
+              </a:spcAft>
+              <a:buClr>
+                <a:schemeClr val="accent1"/>
+              </a:buClr>
+              <a:buSzPct val="80000"/>
+              <a:buFont typeface="Wingdings 3" charset="2"/>
+              <a:buNone/>
+              <a:defRPr sz="1200" kern="1200">
+                <a:solidFill>
+                  <a:schemeClr val="tx1">
+                    <a:tint val="75000"/>
+                  </a:schemeClr>
+                </a:solidFill>
+                <a:latin typeface="+mn-lt"/>
+                <a:ea typeface="+mn-ea"/>
+                <a:cs typeface="+mn-cs"/>
+              </a:defRPr>
+            </a:lvl8pPr>
+            <a:lvl9pPr marL="3657600" indent="0" algn="ctr" defTabSz="457200" rtl="0" eaLnBrk="1" latinLnBrk="0" hangingPunct="1">
+              <a:spcBef>
+                <a:spcPts val="1000"/>
+              </a:spcBef>
+              <a:spcAft>
+                <a:spcPts val="0"/>
+              </a:spcAft>
+              <a:buClr>
+                <a:schemeClr val="accent1"/>
+              </a:buClr>
+              <a:buSzPct val="80000"/>
+              <a:buFont typeface="Wingdings 3" charset="2"/>
+              <a:buNone/>
+              <a:defRPr sz="1200" kern="1200">
+                <a:solidFill>
+                  <a:schemeClr val="tx1">
+                    <a:tint val="75000"/>
+                  </a:schemeClr>
+                </a:solidFill>
+                <a:latin typeface="+mn-lt"/>
+                <a:ea typeface="+mn-ea"/>
+                <a:cs typeface="+mn-cs"/>
+              </a:defRPr>
+            </a:lvl9pPr>
+          </a:lstStyle>
+          <a:p>
+            <a:pPr algn="l">
+              <a:spcBef>
+                <a:spcPts val="0"/>
+              </a:spcBef>
+            </a:pPr>
+            <a:r>
+              <a:rPr lang="en-US" sz="1500" dirty="0">
+                <a:solidFill>
+                  <a:srgbClr val="C00000"/>
+                </a:solidFill>
+                <a:latin typeface="Arial" panose="020B0604020202020204" pitchFamily="34" charset="0"/>
+                <a:cs typeface="Arial" panose="020B0604020202020204" pitchFamily="34" charset="0"/>
+              </a:rPr>
+              <a:t>Login:</a:t>
+            </a:r>
+          </a:p>
+          <a:p>
+            <a:pPr algn="l">
+              <a:spcBef>
+                <a:spcPts val="0"/>
+              </a:spcBef>
+            </a:pPr>
+            <a:r>
+              <a:rPr lang="en-US" sz="1500" dirty="0" err="1">
+                <a:solidFill>
+                  <a:srgbClr val="C00000"/>
+                </a:solidFill>
+                <a:latin typeface="Arial" panose="020B0604020202020204" pitchFamily="34" charset="0"/>
+                <a:cs typeface="Arial" panose="020B0604020202020204" pitchFamily="34" charset="0"/>
+              </a:rPr>
+              <a:t>auth.onAuthStateChanged</a:t>
+            </a:r>
+            <a:r>
+              <a:rPr lang="en-US" sz="1500" dirty="0">
+                <a:solidFill>
+                  <a:srgbClr val="C00000"/>
+                </a:solidFill>
+                <a:latin typeface="Arial" panose="020B0604020202020204" pitchFamily="34" charset="0"/>
+                <a:cs typeface="Arial" panose="020B0604020202020204" pitchFamily="34" charset="0"/>
+              </a:rPr>
+              <a:t>(user =&gt; {if(user)...</a:t>
+            </a:r>
+            <a:r>
+              <a:rPr lang="en-US" sz="1500" dirty="0" err="1">
+                <a:solidFill>
+                  <a:srgbClr val="C00000"/>
+                </a:solidFill>
+                <a:latin typeface="Arial" panose="020B0604020202020204" pitchFamily="34" charset="0"/>
+                <a:cs typeface="Arial" panose="020B0604020202020204" pitchFamily="34" charset="0"/>
+              </a:rPr>
+              <a:t>setState</a:t>
+            </a:r>
+            <a:r>
+              <a:rPr lang="en-US" sz="1500" dirty="0">
+                <a:solidFill>
+                  <a:srgbClr val="C00000"/>
+                </a:solidFill>
+                <a:latin typeface="Arial" panose="020B0604020202020204" pitchFamily="34" charset="0"/>
+                <a:cs typeface="Arial" panose="020B0604020202020204" pitchFamily="34" charset="0"/>
+              </a:rPr>
+              <a:t>...})</a:t>
+            </a:r>
+          </a:p>
+        </p:txBody>
+      </p:sp>
+      <p:sp>
+        <p:nvSpPr>
+          <p:cNvPr id="19" name="Subtitle 2">
+            <a:extLst>
+              <a:ext uri="{FF2B5EF4-FFF2-40B4-BE49-F238E27FC236}">
+                <a16:creationId xmlns:a16="http://schemas.microsoft.com/office/drawing/2014/main" id="{A50CC0C5-FB1F-0D46-8D26-2BE1150C30C6}"/>
+              </a:ext>
+            </a:extLst>
+          </p:cNvPr>
+          <p:cNvSpPr txBox="1">
+            <a:spLocks/>
+          </p:cNvSpPr>
+          <p:nvPr/>
+        </p:nvSpPr>
+        <p:spPr>
+          <a:xfrm>
+            <a:off x="4307457" y="1652889"/>
+            <a:ext cx="3671046" cy="601427"/>
+          </a:xfrm>
+          <a:prstGeom prst="rect">
+            <a:avLst/>
+          </a:prstGeom>
+        </p:spPr>
+        <p:txBody>
+          <a:bodyPr vert="horz" lIns="91440" tIns="45720" rIns="91440" bIns="45720" rtlCol="0" anchor="t">
+            <a:noAutofit/>
+          </a:bodyPr>
+          <a:lstStyle>
+            <a:lvl1pPr marL="0" indent="0" algn="r" defTabSz="457200" rtl="0" eaLnBrk="1" latinLnBrk="0" hangingPunct="1">
+              <a:spcBef>
+                <a:spcPts val="1000"/>
+              </a:spcBef>
+              <a:spcAft>
+                <a:spcPts val="0"/>
+              </a:spcAft>
+              <a:buClr>
+                <a:schemeClr val="accent1"/>
+              </a:buClr>
+              <a:buSzPct val="80000"/>
+              <a:buFont typeface="Wingdings 3" charset="2"/>
+              <a:buNone/>
+              <a:defRPr sz="1800" kern="1200">
+                <a:solidFill>
+                  <a:schemeClr val="tx1">
+                    <a:lumMod val="50000"/>
+                    <a:lumOff val="50000"/>
+                  </a:schemeClr>
+                </a:solidFill>
+                <a:latin typeface="+mn-lt"/>
+                <a:ea typeface="+mn-ea"/>
+                <a:cs typeface="+mn-cs"/>
+              </a:defRPr>
+            </a:lvl1pPr>
+            <a:lvl2pPr marL="457200" indent="0" algn="ctr" defTabSz="457200" rtl="0" eaLnBrk="1" latinLnBrk="0" hangingPunct="1">
+              <a:spcBef>
+                <a:spcPts val="1000"/>
+              </a:spcBef>
+              <a:spcAft>
+                <a:spcPts val="0"/>
+              </a:spcAft>
+              <a:buClr>
+                <a:schemeClr val="accent1"/>
+              </a:buClr>
+              <a:buSzPct val="80000"/>
+              <a:buFont typeface="Wingdings 3" charset="2"/>
+              <a:buNone/>
+              <a:defRPr sz="1600" kern="1200">
+                <a:solidFill>
+                  <a:schemeClr val="tx1">
+                    <a:tint val="75000"/>
+                  </a:schemeClr>
+                </a:solidFill>
+                <a:latin typeface="+mn-lt"/>
+                <a:ea typeface="+mn-ea"/>
+                <a:cs typeface="+mn-cs"/>
+              </a:defRPr>
+            </a:lvl2pPr>
+            <a:lvl3pPr marL="914400" indent="0" algn="ctr" defTabSz="457200" rtl="0" eaLnBrk="1" latinLnBrk="0" hangingPunct="1">
+              <a:spcBef>
+                <a:spcPts val="1000"/>
+              </a:spcBef>
+              <a:spcAft>
+                <a:spcPts val="0"/>
+              </a:spcAft>
+              <a:buClr>
+                <a:schemeClr val="accent1"/>
+              </a:buClr>
+              <a:buSzPct val="80000"/>
+              <a:buFont typeface="Wingdings 3" charset="2"/>
+              <a:buNone/>
+              <a:defRPr sz="1400" kern="1200">
+                <a:solidFill>
+                  <a:schemeClr val="tx1">
+                    <a:tint val="75000"/>
+                  </a:schemeClr>
+                </a:solidFill>
+                <a:latin typeface="+mn-lt"/>
+                <a:ea typeface="+mn-ea"/>
+                <a:cs typeface="+mn-cs"/>
+              </a:defRPr>
+            </a:lvl3pPr>
+            <a:lvl4pPr marL="1371600" indent="0" algn="ctr" defTabSz="457200" rtl="0" eaLnBrk="1" latinLnBrk="0" hangingPunct="1">
+              <a:spcBef>
+                <a:spcPts val="1000"/>
+              </a:spcBef>
+              <a:spcAft>
+                <a:spcPts val="0"/>
+              </a:spcAft>
+              <a:buClr>
+                <a:schemeClr val="accent1"/>
+              </a:buClr>
+              <a:buSzPct val="80000"/>
+              <a:buFont typeface="Wingdings 3" charset="2"/>
+              <a:buNone/>
+              <a:defRPr sz="1200" kern="1200">
+                <a:solidFill>
+                  <a:schemeClr val="tx1">
+                    <a:tint val="75000"/>
+                  </a:schemeClr>
+                </a:solidFill>
+                <a:latin typeface="+mn-lt"/>
+                <a:ea typeface="+mn-ea"/>
+                <a:cs typeface="+mn-cs"/>
+              </a:defRPr>
+            </a:lvl4pPr>
+            <a:lvl5pPr marL="1828800" indent="0" algn="ctr" defTabSz="457200" rtl="0" eaLnBrk="1" latinLnBrk="0" hangingPunct="1">
+              <a:spcBef>
+                <a:spcPts val="1000"/>
+              </a:spcBef>
+              <a:spcAft>
+                <a:spcPts val="0"/>
+              </a:spcAft>
+              <a:buClr>
+                <a:schemeClr val="accent1"/>
+              </a:buClr>
+              <a:buSzPct val="80000"/>
+              <a:buFont typeface="Wingdings 3" charset="2"/>
+              <a:buNone/>
+              <a:defRPr sz="1200" kern="1200">
+                <a:solidFill>
+                  <a:schemeClr val="tx1">
+                    <a:tint val="75000"/>
+                  </a:schemeClr>
+                </a:solidFill>
+                <a:latin typeface="+mn-lt"/>
+                <a:ea typeface="+mn-ea"/>
+                <a:cs typeface="+mn-cs"/>
+              </a:defRPr>
+            </a:lvl5pPr>
+            <a:lvl6pPr marL="2286000" indent="0" algn="ctr" defTabSz="457200" rtl="0" eaLnBrk="1" latinLnBrk="0" hangingPunct="1">
+              <a:spcBef>
+                <a:spcPts val="1000"/>
+              </a:spcBef>
+              <a:spcAft>
+                <a:spcPts val="0"/>
+              </a:spcAft>
+              <a:buClr>
+                <a:schemeClr val="accent1"/>
+              </a:buClr>
+              <a:buSzPct val="80000"/>
+              <a:buFont typeface="Wingdings 3" charset="2"/>
+              <a:buNone/>
+              <a:defRPr sz="1200" kern="1200">
+                <a:solidFill>
+                  <a:schemeClr val="tx1">
+                    <a:tint val="75000"/>
+                  </a:schemeClr>
+                </a:solidFill>
+                <a:latin typeface="+mn-lt"/>
+                <a:ea typeface="+mn-ea"/>
+                <a:cs typeface="+mn-cs"/>
+              </a:defRPr>
+            </a:lvl6pPr>
+            <a:lvl7pPr marL="2743200" indent="0" algn="ctr" defTabSz="457200" rtl="0" eaLnBrk="1" latinLnBrk="0" hangingPunct="1">
+              <a:spcBef>
+                <a:spcPts val="1000"/>
+              </a:spcBef>
+              <a:spcAft>
+                <a:spcPts val="0"/>
+              </a:spcAft>
+              <a:buClr>
+                <a:schemeClr val="accent1"/>
+              </a:buClr>
+              <a:buSzPct val="80000"/>
+              <a:buFont typeface="Wingdings 3" charset="2"/>
+              <a:buNone/>
+              <a:defRPr sz="1200" kern="1200">
+                <a:solidFill>
+                  <a:schemeClr val="tx1">
+                    <a:tint val="75000"/>
+                  </a:schemeClr>
+                </a:solidFill>
+                <a:latin typeface="+mn-lt"/>
+                <a:ea typeface="+mn-ea"/>
+                <a:cs typeface="+mn-cs"/>
+              </a:defRPr>
+            </a:lvl7pPr>
+            <a:lvl8pPr marL="3200400" indent="0" algn="ctr" defTabSz="457200" rtl="0" eaLnBrk="1" latinLnBrk="0" hangingPunct="1">
+              <a:spcBef>
+                <a:spcPts val="1000"/>
+              </a:spcBef>
+              <a:spcAft>
+                <a:spcPts val="0"/>
+              </a:spcAft>
+              <a:buClr>
+                <a:schemeClr val="accent1"/>
+              </a:buClr>
+              <a:buSzPct val="80000"/>
+              <a:buFont typeface="Wingdings 3" charset="2"/>
+              <a:buNone/>
+              <a:defRPr sz="1200" kern="1200">
+                <a:solidFill>
+                  <a:schemeClr val="tx1">
+                    <a:tint val="75000"/>
+                  </a:schemeClr>
+                </a:solidFill>
+                <a:latin typeface="+mn-lt"/>
+                <a:ea typeface="+mn-ea"/>
+                <a:cs typeface="+mn-cs"/>
+              </a:defRPr>
+            </a:lvl8pPr>
+            <a:lvl9pPr marL="3657600" indent="0" algn="ctr" defTabSz="457200" rtl="0" eaLnBrk="1" latinLnBrk="0" hangingPunct="1">
+              <a:spcBef>
+                <a:spcPts val="1000"/>
+              </a:spcBef>
+              <a:spcAft>
+                <a:spcPts val="0"/>
+              </a:spcAft>
+              <a:buClr>
+                <a:schemeClr val="accent1"/>
+              </a:buClr>
+              <a:buSzPct val="80000"/>
+              <a:buFont typeface="Wingdings 3" charset="2"/>
+              <a:buNone/>
+              <a:defRPr sz="1200" kern="1200">
+                <a:solidFill>
+                  <a:schemeClr val="tx1">
+                    <a:tint val="75000"/>
+                  </a:schemeClr>
+                </a:solidFill>
+                <a:latin typeface="+mn-lt"/>
+                <a:ea typeface="+mn-ea"/>
+                <a:cs typeface="+mn-cs"/>
+              </a:defRPr>
+            </a:lvl9pPr>
+          </a:lstStyle>
+          <a:p>
+            <a:pPr algn="l">
+              <a:spcBef>
+                <a:spcPts val="0"/>
+              </a:spcBef>
+            </a:pPr>
+            <a:r>
+              <a:rPr lang="en-US" sz="1500" dirty="0" err="1">
+                <a:solidFill>
+                  <a:srgbClr val="C00000"/>
+                </a:solidFill>
+                <a:latin typeface="Arial" panose="020B0604020202020204" pitchFamily="34" charset="0"/>
+                <a:cs typeface="Arial" panose="020B0604020202020204" pitchFamily="34" charset="0"/>
+              </a:rPr>
+              <a:t>auth.createUserWithEmailAndPassword</a:t>
+            </a:r>
+            <a:r>
+              <a:rPr lang="en-US" sz="1500" dirty="0">
+                <a:solidFill>
+                  <a:srgbClr val="C00000"/>
+                </a:solidFill>
+                <a:latin typeface="Arial" panose="020B0604020202020204" pitchFamily="34" charset="0"/>
+                <a:cs typeface="Arial" panose="020B0604020202020204" pitchFamily="34" charset="0"/>
+              </a:rPr>
+              <a:t>(email, password)</a:t>
+            </a:r>
+          </a:p>
+        </p:txBody>
+      </p:sp>
+      <p:sp>
+        <p:nvSpPr>
+          <p:cNvPr id="22" name="Rectangle 21">
+            <a:extLst>
+              <a:ext uri="{FF2B5EF4-FFF2-40B4-BE49-F238E27FC236}">
+                <a16:creationId xmlns:a16="http://schemas.microsoft.com/office/drawing/2014/main" id="{F48B724B-DA32-164F-B32F-0107CAF36F7F}"/>
+              </a:ext>
+            </a:extLst>
+          </p:cNvPr>
+          <p:cNvSpPr/>
+          <p:nvPr/>
+        </p:nvSpPr>
+        <p:spPr>
+          <a:xfrm>
+            <a:off x="4215442" y="2331695"/>
+            <a:ext cx="4926349" cy="784830"/>
+          </a:xfrm>
+          <a:prstGeom prst="rect">
+            <a:avLst/>
+          </a:prstGeom>
+        </p:spPr>
+        <p:txBody>
+          <a:bodyPr wrap="none">
+            <a:spAutoFit/>
+          </a:bodyPr>
+          <a:lstStyle/>
+          <a:p>
+            <a:r>
+              <a:rPr lang="en-US" sz="1500" dirty="0" err="1">
+                <a:latin typeface="Arial" panose="020B0604020202020204" pitchFamily="34" charset="0"/>
+                <a:cs typeface="Arial" panose="020B0604020202020204" pitchFamily="34" charset="0"/>
+              </a:rPr>
+              <a:t>getUserRef</a:t>
+            </a:r>
+            <a:r>
+              <a:rPr lang="en-US" sz="1500" dirty="0">
+                <a:latin typeface="Arial" panose="020B0604020202020204" pitchFamily="34" charset="0"/>
+                <a:cs typeface="Arial" panose="020B0604020202020204" pitchFamily="34" charset="0"/>
+              </a:rPr>
+              <a:t> = (</a:t>
+            </a:r>
+            <a:r>
+              <a:rPr lang="en-US" sz="1500" dirty="0" err="1">
+                <a:latin typeface="Arial" panose="020B0604020202020204" pitchFamily="34" charset="0"/>
+                <a:cs typeface="Arial" panose="020B0604020202020204" pitchFamily="34" charset="0"/>
+              </a:rPr>
+              <a:t>userId</a:t>
+            </a:r>
+            <a:r>
+              <a:rPr lang="en-US" sz="1500" dirty="0">
+                <a:latin typeface="Arial" panose="020B0604020202020204" pitchFamily="34" charset="0"/>
+                <a:cs typeface="Arial" panose="020B0604020202020204" pitchFamily="34" charset="0"/>
+              </a:rPr>
+              <a:t>) =&gt; </a:t>
+            </a:r>
+            <a:r>
+              <a:rPr lang="en-US" sz="1500" dirty="0" err="1">
+                <a:latin typeface="Arial" panose="020B0604020202020204" pitchFamily="34" charset="0"/>
+                <a:cs typeface="Arial" panose="020B0604020202020204" pitchFamily="34" charset="0"/>
+              </a:rPr>
+              <a:t>this.db.ref</a:t>
+            </a:r>
+            <a:r>
+              <a:rPr lang="en-US" sz="1500" dirty="0">
+                <a:latin typeface="Arial" panose="020B0604020202020204" pitchFamily="34" charset="0"/>
+                <a:cs typeface="Arial" panose="020B0604020202020204" pitchFamily="34" charset="0"/>
+              </a:rPr>
+              <a:t>(`users/${</a:t>
+            </a:r>
+            <a:r>
+              <a:rPr lang="en-US" sz="1500" dirty="0" err="1">
+                <a:latin typeface="Arial" panose="020B0604020202020204" pitchFamily="34" charset="0"/>
+                <a:cs typeface="Arial" panose="020B0604020202020204" pitchFamily="34" charset="0"/>
+              </a:rPr>
+              <a:t>userId</a:t>
+            </a:r>
+            <a:r>
+              <a:rPr lang="en-US" sz="1500" dirty="0">
+                <a:latin typeface="Arial" panose="020B0604020202020204" pitchFamily="34" charset="0"/>
+                <a:cs typeface="Arial" panose="020B0604020202020204" pitchFamily="34" charset="0"/>
+              </a:rPr>
+              <a:t>}`);</a:t>
+            </a:r>
+          </a:p>
+          <a:p>
+            <a:r>
+              <a:rPr lang="en-US" sz="1500" dirty="0">
+                <a:latin typeface="Arial" panose="020B0604020202020204" pitchFamily="34" charset="0"/>
+                <a:cs typeface="Arial" panose="020B0604020202020204" pitchFamily="34" charset="0"/>
+              </a:rPr>
+              <a:t>…</a:t>
+            </a:r>
+          </a:p>
+          <a:p>
+            <a:r>
+              <a:rPr lang="en-US" sz="1500" dirty="0" err="1">
+                <a:latin typeface="Arial" panose="020B0604020202020204" pitchFamily="34" charset="0"/>
+                <a:cs typeface="Arial" panose="020B0604020202020204" pitchFamily="34" charset="0"/>
+              </a:rPr>
+              <a:t>getUserRef</a:t>
+            </a:r>
+            <a:r>
+              <a:rPr lang="en-US" sz="1500" dirty="0">
+                <a:latin typeface="Arial" panose="020B0604020202020204" pitchFamily="34" charset="0"/>
+                <a:cs typeface="Arial" panose="020B0604020202020204" pitchFamily="34" charset="0"/>
+              </a:rPr>
+              <a:t>('123').set({name, email})</a:t>
+            </a:r>
+          </a:p>
+        </p:txBody>
+      </p:sp>
+      <p:sp>
+        <p:nvSpPr>
+          <p:cNvPr id="23" name="Rectangle 22">
+            <a:extLst>
+              <a:ext uri="{FF2B5EF4-FFF2-40B4-BE49-F238E27FC236}">
+                <a16:creationId xmlns:a16="http://schemas.microsoft.com/office/drawing/2014/main" id="{22FD7DEF-9BF4-494A-A2A0-5288E0A4F58A}"/>
+              </a:ext>
+            </a:extLst>
+          </p:cNvPr>
+          <p:cNvSpPr/>
+          <p:nvPr/>
+        </p:nvSpPr>
+        <p:spPr>
+          <a:xfrm>
+            <a:off x="4287652" y="4300571"/>
+            <a:ext cx="3616696" cy="553998"/>
+          </a:xfrm>
+          <a:prstGeom prst="rect">
+            <a:avLst/>
+          </a:prstGeom>
+        </p:spPr>
+        <p:txBody>
+          <a:bodyPr wrap="none">
+            <a:spAutoFit/>
+          </a:bodyPr>
+          <a:lstStyle/>
+          <a:p>
+            <a:r>
+              <a:rPr lang="en-US" sz="1500" dirty="0">
+                <a:latin typeface="Arial" panose="020B0604020202020204" pitchFamily="34" charset="0"/>
+                <a:cs typeface="Arial" panose="020B0604020202020204" pitchFamily="34" charset="0"/>
+              </a:rPr>
+              <a:t>…Ref().on</a:t>
+            </a:r>
+          </a:p>
+          <a:p>
+            <a:r>
+              <a:rPr lang="en-US" sz="1500" dirty="0">
+                <a:latin typeface="Arial" panose="020B0604020202020204" pitchFamily="34" charset="0"/>
+                <a:cs typeface="Arial" panose="020B0604020202020204" pitchFamily="34" charset="0"/>
+              </a:rPr>
+              <a:t>('value', snapshot =&gt; {...</a:t>
+            </a:r>
+            <a:r>
+              <a:rPr lang="en-US" sz="1500" dirty="0" err="1">
+                <a:latin typeface="Arial" panose="020B0604020202020204" pitchFamily="34" charset="0"/>
+                <a:cs typeface="Arial" panose="020B0604020202020204" pitchFamily="34" charset="0"/>
+              </a:rPr>
+              <a:t>snapshot.val</a:t>
+            </a:r>
+            <a:r>
+              <a:rPr lang="en-US" sz="1500" dirty="0">
+                <a:latin typeface="Arial" panose="020B0604020202020204" pitchFamily="34" charset="0"/>
+                <a:cs typeface="Arial" panose="020B0604020202020204" pitchFamily="34" charset="0"/>
+              </a:rPr>
+              <a:t>();})</a:t>
+            </a:r>
+          </a:p>
+        </p:txBody>
+      </p:sp>
+    </p:spTree>
+    <p:extLst>
+      <p:ext uri="{BB962C8B-B14F-4D97-AF65-F5344CB8AC3E}">
+        <p14:creationId xmlns:p14="http://schemas.microsoft.com/office/powerpoint/2010/main" val="2877854886"/>
+      </p:ext>
+    </p:extLst>
+  </p:cSld>
+  <p:clrMapOvr>
+    <a:masterClrMapping/>
+  </p:clrMapOvr>
+</p:sld>
+</file>
+
+<file path=ppt/slides/slide4.xml><?xml version="1.0" encoding="utf-8"?>
 <p:sld xmlns:a="http://schemas.openxmlformats.org/drawingml/2006/main" xmlns:r="http://schemas.openxmlformats.org/officeDocument/2006/relationships" xmlns:p="http://schemas.openxmlformats.org/presentationml/2006/main">
   <p:cSld>
     <p:spTree>
